--- a/4조 웹프레임워크 프로젝트 기획서.pptx
+++ b/4조 웹프레임워크 프로젝트 기획서.pptx
@@ -5,7 +5,7 @@
     <p:sldMasterId id="2147483648" r:id="rId1"/>
   </p:sldMasterIdLst>
   <p:notesMasterIdLst>
-    <p:notesMasterId r:id="rId17"/>
+    <p:notesMasterId r:id="rId20"/>
   </p:notesMasterIdLst>
   <p:sldIdLst>
     <p:sldId id="1550" r:id="rId2"/>
@@ -22,7 +22,10 @@
     <p:sldId id="1621" r:id="rId13"/>
     <p:sldId id="1625" r:id="rId14"/>
     <p:sldId id="1624" r:id="rId15"/>
-    <p:sldId id="1614" r:id="rId16"/>
+    <p:sldId id="1628" r:id="rId16"/>
+    <p:sldId id="1629" r:id="rId17"/>
+    <p:sldId id="1630" r:id="rId18"/>
+    <p:sldId id="1614" r:id="rId19"/>
   </p:sldIdLst>
   <p:sldSz cx="12192000" cy="6858000"/>
   <p:notesSz cx="6735763" cy="9866313"/>
@@ -225,7 +228,7 @@
           <a:p>
             <a:fld id="{A80DAABF-6B89-410E-81F4-13A52FA46F91}" type="datetimeFigureOut">
               <a:rPr lang="ko-KR" altLang="en-US" smtClean="0"/>
-              <a:t>2023-10-05</a:t>
+              <a:t>2023-10-11</a:t>
             </a:fld>
             <a:endParaRPr lang="ko-KR" altLang="en-US"/>
           </a:p>
@@ -658,7 +661,7 @@
           <a:p>
             <a:fld id="{D260B755-F5A3-475D-980C-EE8E6B2AEAA3}" type="datetimeFigureOut">
               <a:rPr lang="ko-KR" altLang="en-US" smtClean="0"/>
-              <a:t>2023-10-05</a:t>
+              <a:t>2023-10-11</a:t>
             </a:fld>
             <a:endParaRPr lang="ko-KR" altLang="en-US"/>
           </a:p>
@@ -866,7 +869,7 @@
           <a:p>
             <a:fld id="{D260B755-F5A3-475D-980C-EE8E6B2AEAA3}" type="datetimeFigureOut">
               <a:rPr lang="ko-KR" altLang="en-US" smtClean="0"/>
-              <a:t>2023-10-05</a:t>
+              <a:t>2023-10-11</a:t>
             </a:fld>
             <a:endParaRPr lang="ko-KR" altLang="en-US"/>
           </a:p>
@@ -1566,7 +1569,7 @@
           <a:p>
             <a:fld id="{D260B755-F5A3-475D-980C-EE8E6B2AEAA3}" type="datetimeFigureOut">
               <a:rPr lang="ko-KR" altLang="en-US" smtClean="0"/>
-              <a:t>2023-10-05</a:t>
+              <a:t>2023-10-11</a:t>
             </a:fld>
             <a:endParaRPr lang="ko-KR" altLang="en-US"/>
           </a:p>
@@ -1978,7 +1981,7 @@
           <a:p>
             <a:fld id="{D260B755-F5A3-475D-980C-EE8E6B2AEAA3}" type="datetimeFigureOut">
               <a:rPr lang="ko-KR" altLang="en-US" smtClean="0"/>
-              <a:t>2023-10-05</a:t>
+              <a:t>2023-10-11</a:t>
             </a:fld>
             <a:endParaRPr lang="ko-KR" altLang="en-US"/>
           </a:p>
@@ -2119,7 +2122,7 @@
           <a:p>
             <a:fld id="{D260B755-F5A3-475D-980C-EE8E6B2AEAA3}" type="datetimeFigureOut">
               <a:rPr lang="ko-KR" altLang="en-US" smtClean="0"/>
-              <a:t>2023-10-05</a:t>
+              <a:t>2023-10-11</a:t>
             </a:fld>
             <a:endParaRPr lang="ko-KR" altLang="en-US"/>
           </a:p>
@@ -2232,7 +2235,7 @@
           <a:p>
             <a:fld id="{D260B755-F5A3-475D-980C-EE8E6B2AEAA3}" type="datetimeFigureOut">
               <a:rPr lang="ko-KR" altLang="en-US" smtClean="0"/>
-              <a:t>2023-10-05</a:t>
+              <a:t>2023-10-11</a:t>
             </a:fld>
             <a:endParaRPr lang="ko-KR" altLang="en-US"/>
           </a:p>
@@ -2543,7 +2546,7 @@
           <a:p>
             <a:fld id="{D260B755-F5A3-475D-980C-EE8E6B2AEAA3}" type="datetimeFigureOut">
               <a:rPr lang="ko-KR" altLang="en-US" smtClean="0"/>
-              <a:t>2023-10-05</a:t>
+              <a:t>2023-10-11</a:t>
             </a:fld>
             <a:endParaRPr lang="ko-KR" altLang="en-US"/>
           </a:p>
@@ -2831,7 +2834,7 @@
           <a:p>
             <a:fld id="{D260B755-F5A3-475D-980C-EE8E6B2AEAA3}" type="datetimeFigureOut">
               <a:rPr lang="ko-KR" altLang="en-US" smtClean="0"/>
-              <a:t>2023-10-05</a:t>
+              <a:t>2023-10-11</a:t>
             </a:fld>
             <a:endParaRPr lang="ko-KR" altLang="en-US"/>
           </a:p>
@@ -3072,7 +3075,7 @@
           <a:p>
             <a:fld id="{D260B755-F5A3-475D-980C-EE8E6B2AEAA3}" type="datetimeFigureOut">
               <a:rPr lang="ko-KR" altLang="en-US" smtClean="0"/>
-              <a:t>2023-10-05</a:t>
+              <a:t>2023-10-11</a:t>
             </a:fld>
             <a:endParaRPr lang="ko-KR" altLang="en-US"/>
           </a:p>
@@ -4415,6 +4418,31 @@
                   <a:t>.</a:t>
                 </a:r>
               </a:p>
+              <a:p>
+                <a:endParaRPr lang="en-US" altLang="ko-KR" dirty="0">
+                  <a:solidFill>
+                    <a:schemeClr val="tx1"/>
+                  </a:solidFill>
+                </a:endParaRPr>
+              </a:p>
+              <a:p>
+                <a:r>
+                  <a:rPr lang="ko-KR" altLang="en-US" dirty="0">
+                    <a:solidFill>
+                      <a:srgbClr val="FF0000"/>
+                    </a:solidFill>
+                  </a:rPr>
+                  <a:t>각각태그를 적용하여 옆 이미지와 같이 태그별로 이미지를 구분하는 기능을 추가하였습니다</a:t>
+                </a:r>
+                <a:r>
+                  <a:rPr lang="en-US" altLang="ko-KR" dirty="0">
+                    <a:solidFill>
+                      <a:srgbClr val="FF0000"/>
+                    </a:solidFill>
+                  </a:rPr>
+                  <a:t>.</a:t>
+                </a:r>
+              </a:p>
             </p:txBody>
           </p:sp>
           <p:sp>
@@ -4583,10 +4611,10 @@
       </p:sp>
       <p:pic>
         <p:nvPicPr>
-          <p:cNvPr id="5" name="그림 4">
-            <a:extLst>
-              <a:ext uri="{FF2B5EF4-FFF2-40B4-BE49-F238E27FC236}">
-                <a16:creationId xmlns:a16="http://schemas.microsoft.com/office/drawing/2014/main" id="{31E6CD6B-CDCE-D9DF-2416-F3D28DC661CA}"/>
+          <p:cNvPr id="6" name="그림 5">
+            <a:extLst>
+              <a:ext uri="{FF2B5EF4-FFF2-40B4-BE49-F238E27FC236}">
+                <a16:creationId xmlns:a16="http://schemas.microsoft.com/office/drawing/2014/main" id="{577F6D72-BDBB-CD3A-DD6B-F3DC0DD541AE}"/>
               </a:ext>
             </a:extLst>
           </p:cNvPr>
@@ -4603,44 +4631,90 @@
         </p:blipFill>
         <p:spPr>
           <a:xfrm>
-            <a:off x="5372197" y="1298868"/>
-            <a:ext cx="5997460" cy="4473328"/>
+            <a:off x="5245620" y="1855433"/>
+            <a:ext cx="6576833" cy="3787330"/>
           </a:xfrm>
           <a:prstGeom prst="rect">
             <a:avLst/>
           </a:prstGeom>
-          <a:solidFill>
-            <a:srgbClr val="FFFFFF">
-              <a:shade val="85000"/>
-            </a:srgbClr>
-          </a:solidFill>
-          <a:ln w="88900" cap="sq">
-            <a:solidFill>
-              <a:srgbClr val="FFFFFF"/>
-            </a:solidFill>
-            <a:miter lim="800000"/>
-          </a:ln>
-          <a:effectLst>
-            <a:outerShdw blurRad="55000" dist="18000" dir="5400000" algn="tl" rotWithShape="0">
-              <a:srgbClr val="000000">
-                <a:alpha val="40000"/>
-              </a:srgbClr>
-            </a:outerShdw>
-          </a:effectLst>
-          <a:scene3d>
-            <a:camera prst="orthographicFront"/>
-            <a:lightRig rig="twoPt" dir="t">
-              <a:rot lat="0" lon="0" rev="7200000"/>
-            </a:lightRig>
-          </a:scene3d>
-          <a:sp3d>
-            <a:bevelT w="25400" h="19050"/>
-            <a:contourClr>
-              <a:srgbClr val="FFFFFF"/>
-            </a:contourClr>
-          </a:sp3d>
         </p:spPr>
       </p:pic>
+      <p:pic>
+        <p:nvPicPr>
+          <p:cNvPr id="10" name="그림 9">
+            <a:extLst>
+              <a:ext uri="{FF2B5EF4-FFF2-40B4-BE49-F238E27FC236}">
+                <a16:creationId xmlns:a16="http://schemas.microsoft.com/office/drawing/2014/main" id="{69650878-C6E6-0C45-7E3F-37D486F87E48}"/>
+              </a:ext>
+            </a:extLst>
+          </p:cNvPr>
+          <p:cNvPicPr>
+            <a:picLocks noChangeAspect="1"/>
+          </p:cNvPicPr>
+          <p:nvPr/>
+        </p:nvPicPr>
+        <p:blipFill>
+          <a:blip r:embed="rId3"/>
+          <a:stretch>
+            <a:fillRect/>
+          </a:stretch>
+        </p:blipFill>
+        <p:spPr>
+          <a:xfrm>
+            <a:off x="5319081" y="2028005"/>
+            <a:ext cx="1818566" cy="892748"/>
+          </a:xfrm>
+          <a:prstGeom prst="rect">
+            <a:avLst/>
+          </a:prstGeom>
+        </p:spPr>
+      </p:pic>
+      <p:sp>
+        <p:nvSpPr>
+          <p:cNvPr id="16" name="화살표: 오른쪽 15">
+            <a:extLst>
+              <a:ext uri="{FF2B5EF4-FFF2-40B4-BE49-F238E27FC236}">
+                <a16:creationId xmlns:a16="http://schemas.microsoft.com/office/drawing/2014/main" id="{27ADD7CB-B106-0F93-8E35-323BA85B33CA}"/>
+              </a:ext>
+            </a:extLst>
+          </p:cNvPr>
+          <p:cNvSpPr/>
+          <p:nvPr/>
+        </p:nvSpPr>
+        <p:spPr>
+          <a:xfrm rot="18710523">
+            <a:off x="4711211" y="4217024"/>
+            <a:ext cx="872722" cy="476996"/>
+          </a:xfrm>
+          <a:prstGeom prst="rightArrow">
+            <a:avLst/>
+          </a:prstGeom>
+        </p:spPr>
+        <p:style>
+          <a:lnRef idx="2">
+            <a:schemeClr val="accent1">
+              <a:shade val="15000"/>
+            </a:schemeClr>
+          </a:lnRef>
+          <a:fillRef idx="1">
+            <a:schemeClr val="accent1"/>
+          </a:fillRef>
+          <a:effectRef idx="0">
+            <a:schemeClr val="accent1"/>
+          </a:effectRef>
+          <a:fontRef idx="minor">
+            <a:schemeClr val="lt1"/>
+          </a:fontRef>
+        </p:style>
+        <p:txBody>
+          <a:bodyPr rtlCol="0" anchor="ctr"/>
+          <a:lstStyle/>
+          <a:p>
+            <a:pPr algn="ctr"/>
+            <a:endParaRPr lang="ko-KR" altLang="en-US"/>
+          </a:p>
+        </p:txBody>
+      </p:sp>
     </p:spTree>
     <p:extLst>
       <p:ext uri="{BB962C8B-B14F-4D97-AF65-F5344CB8AC3E}">
@@ -4944,8 +5018,8 @@
         </p:nvSpPr>
         <p:spPr>
           <a:xfrm>
-            <a:off x="1057655" y="3059668"/>
-            <a:ext cx="4038285" cy="923330"/>
+            <a:off x="832703" y="3061036"/>
+            <a:ext cx="4435830" cy="1754326"/>
           </a:xfrm>
           <a:prstGeom prst="rect">
             <a:avLst/>
@@ -4988,6 +5062,38 @@
               <a:rPr lang="en-US" altLang="ko-KR" dirty="0"/>
               <a:t>.</a:t>
             </a:r>
+          </a:p>
+          <a:p>
+            <a:endParaRPr lang="en-US" altLang="ko-KR" dirty="0"/>
+          </a:p>
+          <a:p>
+            <a:r>
+              <a:rPr lang="ko-KR" altLang="en-US" dirty="0"/>
+              <a:t>카테고리를 </a:t>
+            </a:r>
+            <a:r>
+              <a:rPr lang="ko-KR" altLang="en-US" dirty="0" err="1"/>
+              <a:t>입력받음으로</a:t>
+            </a:r>
+            <a:r>
+              <a:rPr lang="ko-KR" altLang="en-US" dirty="0"/>
+              <a:t> 해당 이미지를 </a:t>
+            </a:r>
+            <a:endParaRPr lang="en-US" altLang="ko-KR" dirty="0"/>
+          </a:p>
+          <a:p>
+            <a:r>
+              <a:rPr lang="ko-KR" altLang="en-US" dirty="0" err="1"/>
+              <a:t>분류할때</a:t>
+            </a:r>
+            <a:r>
+              <a:rPr lang="ko-KR" altLang="en-US" dirty="0"/>
+              <a:t> 사용됩니다</a:t>
+            </a:r>
+            <a:r>
+              <a:rPr lang="en-US" altLang="ko-KR" dirty="0"/>
+              <a:t>.</a:t>
+            </a:r>
             <a:r>
               <a:rPr lang="ko-KR" altLang="en-US" dirty="0"/>
               <a:t> </a:t>
@@ -4997,10 +5103,10 @@
       </p:sp>
       <p:pic>
         <p:nvPicPr>
-          <p:cNvPr id="5" name="그림 4">
-            <a:extLst>
-              <a:ext uri="{FF2B5EF4-FFF2-40B4-BE49-F238E27FC236}">
-                <a16:creationId xmlns:a16="http://schemas.microsoft.com/office/drawing/2014/main" id="{F607C01F-56C5-1945-C45F-E392A398BCA7}"/>
+          <p:cNvPr id="6" name="그림 5">
+            <a:extLst>
+              <a:ext uri="{FF2B5EF4-FFF2-40B4-BE49-F238E27FC236}">
+                <a16:creationId xmlns:a16="http://schemas.microsoft.com/office/drawing/2014/main" id="{D9825C54-26E7-CA21-C0F2-D48C00BD062F}"/>
               </a:ext>
             </a:extLst>
           </p:cNvPr>
@@ -5017,8 +5123,8 @@
         </p:blipFill>
         <p:spPr>
           <a:xfrm>
-            <a:off x="6425924" y="1169474"/>
-            <a:ext cx="4061812" cy="4519052"/>
+            <a:off x="5870128" y="940618"/>
+            <a:ext cx="5334462" cy="5296359"/>
           </a:xfrm>
           <a:prstGeom prst="rect">
             <a:avLst/>
@@ -5427,6 +5533,36 @@
           <a:chExt cx="0" cy="0"/>
         </a:xfrm>
       </p:grpSpPr>
+      <p:pic>
+        <p:nvPicPr>
+          <p:cNvPr id="5" name="그림 4">
+            <a:extLst>
+              <a:ext uri="{FF2B5EF4-FFF2-40B4-BE49-F238E27FC236}">
+                <a16:creationId xmlns:a16="http://schemas.microsoft.com/office/drawing/2014/main" id="{90AAD9CB-97AF-D954-1693-924670823061}"/>
+              </a:ext>
+            </a:extLst>
+          </p:cNvPr>
+          <p:cNvPicPr>
+            <a:picLocks noChangeAspect="1"/>
+          </p:cNvPicPr>
+          <p:nvPr/>
+        </p:nvPicPr>
+        <p:blipFill>
+          <a:blip r:embed="rId2"/>
+          <a:stretch>
+            <a:fillRect/>
+          </a:stretch>
+        </p:blipFill>
+        <p:spPr>
+          <a:xfrm>
+            <a:off x="6232124" y="1355315"/>
+            <a:ext cx="4333141" cy="4068566"/>
+          </a:xfrm>
+          <a:prstGeom prst="rect">
+            <a:avLst/>
+          </a:prstGeom>
+        </p:spPr>
+      </p:pic>
       <p:grpSp>
         <p:nvGrpSpPr>
           <p:cNvPr id="3" name="그룹 2">
@@ -5721,36 +5857,6 @@
           </a:p>
         </p:txBody>
       </p:sp>
-      <p:pic>
-        <p:nvPicPr>
-          <p:cNvPr id="9" name="그림 8">
-            <a:extLst>
-              <a:ext uri="{FF2B5EF4-FFF2-40B4-BE49-F238E27FC236}">
-                <a16:creationId xmlns:a16="http://schemas.microsoft.com/office/drawing/2014/main" id="{C98E04FF-94AB-69FD-E74E-49C78DC08E49}"/>
-              </a:ext>
-            </a:extLst>
-          </p:cNvPr>
-          <p:cNvPicPr>
-            <a:picLocks noChangeAspect="1"/>
-          </p:cNvPicPr>
-          <p:nvPr/>
-        </p:nvPicPr>
-        <p:blipFill>
-          <a:blip r:embed="rId2"/>
-          <a:stretch>
-            <a:fillRect/>
-          </a:stretch>
-        </p:blipFill>
-        <p:spPr>
-          <a:xfrm>
-            <a:off x="6096000" y="1433744"/>
-            <a:ext cx="4191363" cy="3825572"/>
-          </a:xfrm>
-          <a:prstGeom prst="rect">
-            <a:avLst/>
-          </a:prstGeom>
-        </p:spPr>
-      </p:pic>
       <p:sp>
         <p:nvSpPr>
           <p:cNvPr id="14" name="TextBox 13">
@@ -5793,15 +5899,7 @@
             </a:r>
             <a:r>
               <a:rPr lang="ko-KR" altLang="en-US" dirty="0"/>
-              <a:t> </a:t>
-            </a:r>
-            <a:r>
-              <a:rPr lang="ko-KR" altLang="en-US" dirty="0" err="1"/>
-              <a:t>다운로느</a:t>
-            </a:r>
-            <a:r>
-              <a:rPr lang="ko-KR" altLang="en-US" dirty="0"/>
-              <a:t> 하는 기능과 삭제하는 기능을 구현 한 것입니다</a:t>
+              <a:t> 다운로드 하는 기능과 삭제하는 기능을 구현 한 것입니다</a:t>
             </a:r>
             <a:r>
               <a:rPr lang="en-US" altLang="ko-KR" dirty="0"/>
@@ -5987,6 +6085,1522 @@
 </file>
 
 <file path=ppt/slides/slide15.xml><?xml version="1.0" encoding="utf-8"?>
+<p:sld xmlns:a="http://schemas.openxmlformats.org/drawingml/2006/main" xmlns:r="http://schemas.openxmlformats.org/officeDocument/2006/relationships" xmlns:p="http://schemas.openxmlformats.org/presentationml/2006/main">
+  <p:cSld>
+    <p:spTree>
+      <p:nvGrpSpPr>
+        <p:cNvPr id="1" name=""/>
+        <p:cNvGrpSpPr/>
+        <p:nvPr/>
+      </p:nvGrpSpPr>
+      <p:grpSpPr>
+        <a:xfrm>
+          <a:off x="0" y="0"/>
+          <a:ext cx="0" cy="0"/>
+          <a:chOff x="0" y="0"/>
+          <a:chExt cx="0" cy="0"/>
+        </a:xfrm>
+      </p:grpSpPr>
+      <p:pic>
+        <p:nvPicPr>
+          <p:cNvPr id="6" name="그림 5">
+            <a:extLst>
+              <a:ext uri="{FF2B5EF4-FFF2-40B4-BE49-F238E27FC236}">
+                <a16:creationId xmlns:a16="http://schemas.microsoft.com/office/drawing/2014/main" id="{B2E2FB5E-B936-A0A4-F5EE-BF76A3F184CB}"/>
+              </a:ext>
+            </a:extLst>
+          </p:cNvPr>
+          <p:cNvPicPr>
+            <a:picLocks noChangeAspect="1"/>
+          </p:cNvPicPr>
+          <p:nvPr/>
+        </p:nvPicPr>
+        <p:blipFill>
+          <a:blip r:embed="rId2"/>
+          <a:stretch>
+            <a:fillRect/>
+          </a:stretch>
+        </p:blipFill>
+        <p:spPr>
+          <a:xfrm>
+            <a:off x="5415458" y="1116696"/>
+            <a:ext cx="6040514" cy="5741304"/>
+          </a:xfrm>
+          <a:prstGeom prst="rect">
+            <a:avLst/>
+          </a:prstGeom>
+        </p:spPr>
+      </p:pic>
+      <p:grpSp>
+        <p:nvGrpSpPr>
+          <p:cNvPr id="3" name="그룹 2">
+            <a:extLst>
+              <a:ext uri="{FF2B5EF4-FFF2-40B4-BE49-F238E27FC236}">
+                <a16:creationId xmlns:a16="http://schemas.microsoft.com/office/drawing/2014/main" id="{57498354-46B5-606D-9AF7-651087BE3F07}"/>
+              </a:ext>
+            </a:extLst>
+          </p:cNvPr>
+          <p:cNvGrpSpPr/>
+          <p:nvPr/>
+        </p:nvGrpSpPr>
+        <p:grpSpPr>
+          <a:xfrm>
+            <a:off x="702557" y="1942522"/>
+            <a:ext cx="4304449" cy="3635248"/>
+            <a:chOff x="1381121" y="1711336"/>
+            <a:chExt cx="4304449" cy="3635248"/>
+          </a:xfrm>
+        </p:grpSpPr>
+        <p:grpSp>
+          <p:nvGrpSpPr>
+            <p:cNvPr id="4" name="그룹 3">
+              <a:extLst>
+                <a:ext uri="{FF2B5EF4-FFF2-40B4-BE49-F238E27FC236}">
+                  <a16:creationId xmlns:a16="http://schemas.microsoft.com/office/drawing/2014/main" id="{6EEEF76E-EBF4-DFE5-5F24-5D34CF8EF9D0}"/>
+                </a:ext>
+              </a:extLst>
+            </p:cNvPr>
+            <p:cNvGrpSpPr/>
+            <p:nvPr/>
+          </p:nvGrpSpPr>
+          <p:grpSpPr>
+            <a:xfrm>
+              <a:off x="1381121" y="1711336"/>
+              <a:ext cx="4304449" cy="3327471"/>
+              <a:chOff x="638172" y="1254878"/>
+              <a:chExt cx="4304449" cy="3327471"/>
+            </a:xfrm>
+          </p:grpSpPr>
+          <p:sp>
+            <p:nvSpPr>
+              <p:cNvPr id="12" name="직사각형 11">
+                <a:extLst>
+                  <a:ext uri="{FF2B5EF4-FFF2-40B4-BE49-F238E27FC236}">
+                    <a16:creationId xmlns:a16="http://schemas.microsoft.com/office/drawing/2014/main" id="{CCECA7B9-2D86-DA91-58AA-84E353B3FCFF}"/>
+                  </a:ext>
+                </a:extLst>
+              </p:cNvPr>
+              <p:cNvSpPr/>
+              <p:nvPr/>
+            </p:nvSpPr>
+            <p:spPr>
+              <a:xfrm>
+                <a:off x="638174" y="1918761"/>
+                <a:ext cx="4304447" cy="2663588"/>
+              </a:xfrm>
+              <a:prstGeom prst="rect">
+                <a:avLst/>
+              </a:prstGeom>
+              <a:noFill/>
+              <a:ln>
+                <a:solidFill>
+                  <a:srgbClr val="404040"/>
+                </a:solidFill>
+              </a:ln>
+            </p:spPr>
+            <p:style>
+              <a:lnRef idx="2">
+                <a:schemeClr val="accent1">
+                  <a:shade val="50000"/>
+                </a:schemeClr>
+              </a:lnRef>
+              <a:fillRef idx="1">
+                <a:schemeClr val="accent1"/>
+              </a:fillRef>
+              <a:effectRef idx="0">
+                <a:schemeClr val="accent1"/>
+              </a:effectRef>
+              <a:fontRef idx="minor">
+                <a:schemeClr val="lt1"/>
+              </a:fontRef>
+            </p:style>
+            <p:txBody>
+              <a:bodyPr rtlCol="0" anchor="ctr"/>
+              <a:lstStyle/>
+              <a:p>
+                <a:endParaRPr lang="en-US" altLang="ko-KR" dirty="0">
+                  <a:solidFill>
+                    <a:schemeClr val="tx1"/>
+                  </a:solidFill>
+                </a:endParaRPr>
+              </a:p>
+            </p:txBody>
+          </p:sp>
+          <p:sp>
+            <p:nvSpPr>
+              <p:cNvPr id="13" name="직사각형 12">
+                <a:extLst>
+                  <a:ext uri="{FF2B5EF4-FFF2-40B4-BE49-F238E27FC236}">
+                    <a16:creationId xmlns:a16="http://schemas.microsoft.com/office/drawing/2014/main" id="{BCAEFD8C-993A-8E11-33DE-572D4270F54D}"/>
+                  </a:ext>
+                </a:extLst>
+              </p:cNvPr>
+              <p:cNvSpPr/>
+              <p:nvPr/>
+            </p:nvSpPr>
+            <p:spPr>
+              <a:xfrm>
+                <a:off x="638172" y="1254878"/>
+                <a:ext cx="2515852" cy="707885"/>
+              </a:xfrm>
+              <a:prstGeom prst="rect">
+                <a:avLst/>
+              </a:prstGeom>
+              <a:solidFill>
+                <a:srgbClr val="404040"/>
+              </a:solidFill>
+              <a:ln>
+                <a:noFill/>
+              </a:ln>
+            </p:spPr>
+            <p:style>
+              <a:lnRef idx="2">
+                <a:schemeClr val="accent1">
+                  <a:shade val="50000"/>
+                </a:schemeClr>
+              </a:lnRef>
+              <a:fillRef idx="1">
+                <a:schemeClr val="accent1"/>
+              </a:fillRef>
+              <a:effectRef idx="0">
+                <a:schemeClr val="accent1"/>
+              </a:effectRef>
+              <a:fontRef idx="minor">
+                <a:schemeClr val="lt1"/>
+              </a:fontRef>
+            </p:style>
+            <p:txBody>
+              <a:bodyPr rtlCol="0" anchor="ctr"/>
+              <a:lstStyle/>
+              <a:p>
+                <a:pPr algn="ctr"/>
+                <a:r>
+                  <a:rPr lang="ko-KR" altLang="en-US" sz="1600" dirty="0">
+                    <a:latin typeface="KoPubWorld돋움체 Bold" panose="00000800000000000000" pitchFamily="2" charset="-127"/>
+                    <a:ea typeface="KoPubWorld돋움체 Bold" panose="00000800000000000000" pitchFamily="2" charset="-127"/>
+                    <a:cs typeface="KoPubWorld돋움체 Bold" panose="00000800000000000000" pitchFamily="2" charset="-127"/>
+                  </a:rPr>
+                  <a:t>이미지 수정</a:t>
+                </a:r>
+              </a:p>
+            </p:txBody>
+          </p:sp>
+        </p:grpSp>
+        <p:sp>
+          <p:nvSpPr>
+            <p:cNvPr id="11" name="TextBox 10">
+              <a:extLst>
+                <a:ext uri="{FF2B5EF4-FFF2-40B4-BE49-F238E27FC236}">
+                  <a16:creationId xmlns:a16="http://schemas.microsoft.com/office/drawing/2014/main" id="{AAF08748-7F99-BA04-9CBF-518ED725911D}"/>
+                </a:ext>
+              </a:extLst>
+            </p:cNvPr>
+            <p:cNvSpPr txBox="1"/>
+            <p:nvPr/>
+          </p:nvSpPr>
+          <p:spPr>
+            <a:xfrm>
+              <a:off x="1746314" y="5038807"/>
+              <a:ext cx="184731" cy="307777"/>
+            </a:xfrm>
+            <a:prstGeom prst="rect">
+              <a:avLst/>
+            </a:prstGeom>
+            <a:noFill/>
+          </p:spPr>
+          <p:txBody>
+            <a:bodyPr wrap="none" rtlCol="0">
+              <a:spAutoFit/>
+            </a:bodyPr>
+            <a:lstStyle/>
+            <a:p>
+              <a:endParaRPr lang="ko-KR" altLang="en-US" sz="1400" dirty="0">
+                <a:latin typeface="KoPubWorld돋움체 Bold" panose="00000800000000000000" pitchFamily="2" charset="-127"/>
+                <a:ea typeface="KoPubWorld돋움체 Bold" panose="00000800000000000000" pitchFamily="2" charset="-127"/>
+                <a:cs typeface="KoPubWorld돋움체 Bold" panose="00000800000000000000" pitchFamily="2" charset="-127"/>
+              </a:endParaRPr>
+            </a:p>
+          </p:txBody>
+        </p:sp>
+      </p:grpSp>
+      <p:sp>
+        <p:nvSpPr>
+          <p:cNvPr id="24" name="직사각형 23">
+            <a:extLst>
+              <a:ext uri="{FF2B5EF4-FFF2-40B4-BE49-F238E27FC236}">
+                <a16:creationId xmlns:a16="http://schemas.microsoft.com/office/drawing/2014/main" id="{166A3685-D95D-6971-EC2B-87539E5631A6}"/>
+              </a:ext>
+            </a:extLst>
+          </p:cNvPr>
+          <p:cNvSpPr/>
+          <p:nvPr/>
+        </p:nvSpPr>
+        <p:spPr>
+          <a:xfrm>
+            <a:off x="6232124" y="2650407"/>
+            <a:ext cx="4449413" cy="2773849"/>
+          </a:xfrm>
+          <a:prstGeom prst="rect">
+            <a:avLst/>
+          </a:prstGeom>
+          <a:noFill/>
+          <a:ln>
+            <a:noFill/>
+          </a:ln>
+        </p:spPr>
+        <p:style>
+          <a:lnRef idx="0">
+            <a:scrgbClr r="0" g="0" b="0"/>
+          </a:lnRef>
+          <a:fillRef idx="0">
+            <a:scrgbClr r="0" g="0" b="0"/>
+          </a:fillRef>
+          <a:effectRef idx="0">
+            <a:scrgbClr r="0" g="0" b="0"/>
+          </a:effectRef>
+          <a:fontRef idx="minor">
+            <a:schemeClr val="dk1"/>
+          </a:fontRef>
+        </p:style>
+        <p:txBody>
+          <a:bodyPr rtlCol="0" anchor="ctr">
+            <a:scene3d>
+              <a:camera prst="orthographicFront"/>
+              <a:lightRig rig="soft" dir="t">
+                <a:rot lat="0" lon="0" rev="15600000"/>
+              </a:lightRig>
+            </a:scene3d>
+            <a:sp3d extrusionH="57150" prstMaterial="softEdge">
+              <a:bevelT w="25400" h="38100"/>
+            </a:sp3d>
+          </a:bodyPr>
+          <a:lstStyle/>
+          <a:p>
+            <a:pPr algn="ctr"/>
+            <a:endParaRPr lang="ko-KR" altLang="en-US" b="1">
+              <a:ln>
+                <a:solidFill>
+                  <a:srgbClr val="FF0000"/>
+                </a:solidFill>
+              </a:ln>
+              <a:solidFill>
+                <a:schemeClr val="accent4"/>
+              </a:solidFill>
+            </a:endParaRPr>
+          </a:p>
+        </p:txBody>
+      </p:sp>
+      <p:sp>
+        <p:nvSpPr>
+          <p:cNvPr id="7" name="TextBox 6">
+            <a:extLst>
+              <a:ext uri="{FF2B5EF4-FFF2-40B4-BE49-F238E27FC236}">
+                <a16:creationId xmlns:a16="http://schemas.microsoft.com/office/drawing/2014/main" id="{4080FBEF-7DB9-775B-63E9-742F2C9EA844}"/>
+              </a:ext>
+            </a:extLst>
+          </p:cNvPr>
+          <p:cNvSpPr txBox="1"/>
+          <p:nvPr/>
+        </p:nvSpPr>
+        <p:spPr>
+          <a:xfrm>
+            <a:off x="1057655" y="3059668"/>
+            <a:ext cx="266420" cy="369332"/>
+          </a:xfrm>
+          <a:prstGeom prst="rect">
+            <a:avLst/>
+          </a:prstGeom>
+          <a:noFill/>
+        </p:spPr>
+        <p:txBody>
+          <a:bodyPr wrap="none" rtlCol="0">
+            <a:spAutoFit/>
+          </a:bodyPr>
+          <a:lstStyle/>
+          <a:p>
+            <a:r>
+              <a:rPr lang="ko-KR" altLang="en-US" dirty="0"/>
+              <a:t> </a:t>
+            </a:r>
+          </a:p>
+        </p:txBody>
+      </p:sp>
+      <p:sp>
+        <p:nvSpPr>
+          <p:cNvPr id="14" name="TextBox 13">
+            <a:extLst>
+              <a:ext uri="{FF2B5EF4-FFF2-40B4-BE49-F238E27FC236}">
+                <a16:creationId xmlns:a16="http://schemas.microsoft.com/office/drawing/2014/main" id="{02F7D0F0-FBC4-DF3B-1373-26E845F81EAB}"/>
+              </a:ext>
+            </a:extLst>
+          </p:cNvPr>
+          <p:cNvSpPr txBox="1"/>
+          <p:nvPr/>
+        </p:nvSpPr>
+        <p:spPr>
+          <a:xfrm>
+            <a:off x="781235" y="2823099"/>
+            <a:ext cx="3817398" cy="923330"/>
+          </a:xfrm>
+          <a:prstGeom prst="rect">
+            <a:avLst/>
+          </a:prstGeom>
+          <a:noFill/>
+        </p:spPr>
+        <p:txBody>
+          <a:bodyPr wrap="square" rtlCol="0">
+            <a:spAutoFit/>
+          </a:bodyPr>
+          <a:lstStyle/>
+          <a:p>
+            <a:r>
+              <a:rPr lang="ko-KR" altLang="en-US" dirty="0"/>
+              <a:t>이 페이지는 특정 이미지를 수정 페이지 입니다</a:t>
+            </a:r>
+            <a:r>
+              <a:rPr lang="en-US" altLang="ko-KR" dirty="0"/>
+              <a:t>. </a:t>
+            </a:r>
+            <a:r>
+              <a:rPr lang="ko-KR" altLang="en-US" dirty="0"/>
+              <a:t>이 부분에서 카테고리</a:t>
+            </a:r>
+            <a:r>
+              <a:rPr lang="en-US" altLang="ko-KR" dirty="0"/>
+              <a:t>, </a:t>
+            </a:r>
+            <a:r>
+              <a:rPr lang="ko-KR" altLang="en-US" dirty="0"/>
+              <a:t>이미지 등을 수정할 수 있습니다</a:t>
+            </a:r>
+            <a:r>
+              <a:rPr lang="en-US" altLang="ko-KR" dirty="0"/>
+              <a:t>.</a:t>
+            </a:r>
+            <a:endParaRPr lang="ko-KR" altLang="en-US" dirty="0"/>
+          </a:p>
+        </p:txBody>
+      </p:sp>
+      <p:sp>
+        <p:nvSpPr>
+          <p:cNvPr id="16" name="직사각형 15">
+            <a:extLst>
+              <a:ext uri="{FF2B5EF4-FFF2-40B4-BE49-F238E27FC236}">
+                <a16:creationId xmlns:a16="http://schemas.microsoft.com/office/drawing/2014/main" id="{980DC8D8-D37A-210A-4079-9B5F3C6AEF4F}"/>
+              </a:ext>
+            </a:extLst>
+          </p:cNvPr>
+          <p:cNvSpPr/>
+          <p:nvPr/>
+        </p:nvSpPr>
+        <p:spPr>
+          <a:xfrm>
+            <a:off x="7476224" y="4693993"/>
+            <a:ext cx="1731146" cy="576000"/>
+          </a:xfrm>
+          <a:prstGeom prst="rect">
+            <a:avLst/>
+          </a:prstGeom>
+          <a:noFill/>
+          <a:ln w="28575" cap="flat" cmpd="sng" algn="ctr">
+            <a:solidFill>
+              <a:srgbClr val="FF0000"/>
+            </a:solidFill>
+            <a:prstDash val="solid"/>
+            <a:round/>
+            <a:headEnd type="none" w="med" len="med"/>
+            <a:tailEnd type="none" w="med" len="med"/>
+          </a:ln>
+        </p:spPr>
+        <p:style>
+          <a:lnRef idx="0">
+            <a:scrgbClr r="0" g="0" b="0"/>
+          </a:lnRef>
+          <a:fillRef idx="0">
+            <a:scrgbClr r="0" g="0" b="0"/>
+          </a:fillRef>
+          <a:effectRef idx="0">
+            <a:scrgbClr r="0" g="0" b="0"/>
+          </a:effectRef>
+          <a:fontRef idx="minor">
+            <a:schemeClr val="accent2"/>
+          </a:fontRef>
+        </p:style>
+        <p:txBody>
+          <a:bodyPr rtlCol="0" anchor="ctr"/>
+          <a:lstStyle/>
+          <a:p>
+            <a:pPr algn="ctr"/>
+            <a:endParaRPr lang="ko-KR" altLang="en-US"/>
+          </a:p>
+        </p:txBody>
+      </p:sp>
+      <p:cxnSp>
+        <p:nvCxnSpPr>
+          <p:cNvPr id="20" name="직선 화살표 연결선 19">
+            <a:extLst>
+              <a:ext uri="{FF2B5EF4-FFF2-40B4-BE49-F238E27FC236}">
+                <a16:creationId xmlns:a16="http://schemas.microsoft.com/office/drawing/2014/main" id="{8AE57A46-D1E6-F8C4-79B0-25469A280DFC}"/>
+              </a:ext>
+            </a:extLst>
+          </p:cNvPr>
+          <p:cNvCxnSpPr>
+            <a:cxnSpLocks/>
+          </p:cNvCxnSpPr>
+          <p:nvPr/>
+        </p:nvCxnSpPr>
+        <p:spPr>
+          <a:xfrm>
+            <a:off x="4793942" y="3429000"/>
+            <a:ext cx="2410113" cy="1351857"/>
+          </a:xfrm>
+          <a:prstGeom prst="straightConnector1">
+            <a:avLst/>
+          </a:prstGeom>
+          <a:ln w="76200">
+            <a:tailEnd type="triangle"/>
+          </a:ln>
+        </p:spPr>
+        <p:style>
+          <a:lnRef idx="1">
+            <a:schemeClr val="accent1"/>
+          </a:lnRef>
+          <a:fillRef idx="0">
+            <a:schemeClr val="accent1"/>
+          </a:fillRef>
+          <a:effectRef idx="0">
+            <a:schemeClr val="accent1"/>
+          </a:effectRef>
+          <a:fontRef idx="minor">
+            <a:schemeClr val="tx1"/>
+          </a:fontRef>
+        </p:style>
+      </p:cxnSp>
+      <p:cxnSp>
+        <p:nvCxnSpPr>
+          <p:cNvPr id="9" name="직선 화살표 연결선 8">
+            <a:extLst>
+              <a:ext uri="{FF2B5EF4-FFF2-40B4-BE49-F238E27FC236}">
+                <a16:creationId xmlns:a16="http://schemas.microsoft.com/office/drawing/2014/main" id="{CF4BA21A-FC60-FA0E-2AE0-93F56BB6006B}"/>
+              </a:ext>
+            </a:extLst>
+          </p:cNvPr>
+          <p:cNvCxnSpPr>
+            <a:cxnSpLocks/>
+          </p:cNvCxnSpPr>
+          <p:nvPr/>
+        </p:nvCxnSpPr>
+        <p:spPr>
+          <a:xfrm flipV="1">
+            <a:off x="4875053" y="2560953"/>
+            <a:ext cx="4677320" cy="835661"/>
+          </a:xfrm>
+          <a:prstGeom prst="straightConnector1">
+            <a:avLst/>
+          </a:prstGeom>
+          <a:ln w="76200">
+            <a:tailEnd type="triangle"/>
+          </a:ln>
+        </p:spPr>
+        <p:style>
+          <a:lnRef idx="1">
+            <a:schemeClr val="accent1"/>
+          </a:lnRef>
+          <a:fillRef idx="0">
+            <a:schemeClr val="accent1"/>
+          </a:fillRef>
+          <a:effectRef idx="0">
+            <a:schemeClr val="accent1"/>
+          </a:effectRef>
+          <a:fontRef idx="minor">
+            <a:schemeClr val="tx1"/>
+          </a:fontRef>
+        </p:style>
+      </p:cxnSp>
+    </p:spTree>
+    <p:extLst>
+      <p:ext uri="{BB962C8B-B14F-4D97-AF65-F5344CB8AC3E}">
+        <p14:creationId xmlns:p14="http://schemas.microsoft.com/office/powerpoint/2010/main" val="1244117716"/>
+      </p:ext>
+    </p:extLst>
+  </p:cSld>
+  <p:clrMapOvr>
+    <a:masterClrMapping/>
+  </p:clrMapOvr>
+</p:sld>
+</file>
+
+<file path=ppt/slides/slide16.xml><?xml version="1.0" encoding="utf-8"?>
+<p:sld xmlns:a="http://schemas.openxmlformats.org/drawingml/2006/main" xmlns:r="http://schemas.openxmlformats.org/officeDocument/2006/relationships" xmlns:p="http://schemas.openxmlformats.org/presentationml/2006/main">
+  <p:cSld>
+    <p:spTree>
+      <p:nvGrpSpPr>
+        <p:cNvPr id="1" name=""/>
+        <p:cNvGrpSpPr/>
+        <p:nvPr/>
+      </p:nvGrpSpPr>
+      <p:grpSpPr>
+        <a:xfrm>
+          <a:off x="0" y="0"/>
+          <a:ext cx="0" cy="0"/>
+          <a:chOff x="0" y="0"/>
+          <a:chExt cx="0" cy="0"/>
+        </a:xfrm>
+      </p:grpSpPr>
+      <p:grpSp>
+        <p:nvGrpSpPr>
+          <p:cNvPr id="3" name="그룹 2">
+            <a:extLst>
+              <a:ext uri="{FF2B5EF4-FFF2-40B4-BE49-F238E27FC236}">
+                <a16:creationId xmlns:a16="http://schemas.microsoft.com/office/drawing/2014/main" id="{57498354-46B5-606D-9AF7-651087BE3F07}"/>
+              </a:ext>
+            </a:extLst>
+          </p:cNvPr>
+          <p:cNvGrpSpPr/>
+          <p:nvPr/>
+        </p:nvGrpSpPr>
+        <p:grpSpPr>
+          <a:xfrm>
+            <a:off x="702557" y="1942522"/>
+            <a:ext cx="4304449" cy="3635248"/>
+            <a:chOff x="1381121" y="1711336"/>
+            <a:chExt cx="4304449" cy="3635248"/>
+          </a:xfrm>
+        </p:grpSpPr>
+        <p:grpSp>
+          <p:nvGrpSpPr>
+            <p:cNvPr id="4" name="그룹 3">
+              <a:extLst>
+                <a:ext uri="{FF2B5EF4-FFF2-40B4-BE49-F238E27FC236}">
+                  <a16:creationId xmlns:a16="http://schemas.microsoft.com/office/drawing/2014/main" id="{6EEEF76E-EBF4-DFE5-5F24-5D34CF8EF9D0}"/>
+                </a:ext>
+              </a:extLst>
+            </p:cNvPr>
+            <p:cNvGrpSpPr/>
+            <p:nvPr/>
+          </p:nvGrpSpPr>
+          <p:grpSpPr>
+            <a:xfrm>
+              <a:off x="1381121" y="1711336"/>
+              <a:ext cx="4304449" cy="3327471"/>
+              <a:chOff x="638172" y="1254878"/>
+              <a:chExt cx="4304449" cy="3327471"/>
+            </a:xfrm>
+          </p:grpSpPr>
+          <p:sp>
+            <p:nvSpPr>
+              <p:cNvPr id="12" name="직사각형 11">
+                <a:extLst>
+                  <a:ext uri="{FF2B5EF4-FFF2-40B4-BE49-F238E27FC236}">
+                    <a16:creationId xmlns:a16="http://schemas.microsoft.com/office/drawing/2014/main" id="{CCECA7B9-2D86-DA91-58AA-84E353B3FCFF}"/>
+                  </a:ext>
+                </a:extLst>
+              </p:cNvPr>
+              <p:cNvSpPr/>
+              <p:nvPr/>
+            </p:nvSpPr>
+            <p:spPr>
+              <a:xfrm>
+                <a:off x="638174" y="1918761"/>
+                <a:ext cx="4304447" cy="2663588"/>
+              </a:xfrm>
+              <a:prstGeom prst="rect">
+                <a:avLst/>
+              </a:prstGeom>
+              <a:noFill/>
+              <a:ln>
+                <a:solidFill>
+                  <a:srgbClr val="404040"/>
+                </a:solidFill>
+              </a:ln>
+            </p:spPr>
+            <p:style>
+              <a:lnRef idx="2">
+                <a:schemeClr val="accent1">
+                  <a:shade val="50000"/>
+                </a:schemeClr>
+              </a:lnRef>
+              <a:fillRef idx="1">
+                <a:schemeClr val="accent1"/>
+              </a:fillRef>
+              <a:effectRef idx="0">
+                <a:schemeClr val="accent1"/>
+              </a:effectRef>
+              <a:fontRef idx="minor">
+                <a:schemeClr val="lt1"/>
+              </a:fontRef>
+            </p:style>
+            <p:txBody>
+              <a:bodyPr rtlCol="0" anchor="ctr"/>
+              <a:lstStyle/>
+              <a:p>
+                <a:endParaRPr lang="en-US" altLang="ko-KR" dirty="0">
+                  <a:solidFill>
+                    <a:schemeClr val="tx1"/>
+                  </a:solidFill>
+                </a:endParaRPr>
+              </a:p>
+            </p:txBody>
+          </p:sp>
+          <p:sp>
+            <p:nvSpPr>
+              <p:cNvPr id="13" name="직사각형 12">
+                <a:extLst>
+                  <a:ext uri="{FF2B5EF4-FFF2-40B4-BE49-F238E27FC236}">
+                    <a16:creationId xmlns:a16="http://schemas.microsoft.com/office/drawing/2014/main" id="{BCAEFD8C-993A-8E11-33DE-572D4270F54D}"/>
+                  </a:ext>
+                </a:extLst>
+              </p:cNvPr>
+              <p:cNvSpPr/>
+              <p:nvPr/>
+            </p:nvSpPr>
+            <p:spPr>
+              <a:xfrm>
+                <a:off x="638172" y="1254878"/>
+                <a:ext cx="2515852" cy="707885"/>
+              </a:xfrm>
+              <a:prstGeom prst="rect">
+                <a:avLst/>
+              </a:prstGeom>
+              <a:solidFill>
+                <a:srgbClr val="404040"/>
+              </a:solidFill>
+              <a:ln>
+                <a:noFill/>
+              </a:ln>
+            </p:spPr>
+            <p:style>
+              <a:lnRef idx="2">
+                <a:schemeClr val="accent1">
+                  <a:shade val="50000"/>
+                </a:schemeClr>
+              </a:lnRef>
+              <a:fillRef idx="1">
+                <a:schemeClr val="accent1"/>
+              </a:fillRef>
+              <a:effectRef idx="0">
+                <a:schemeClr val="accent1"/>
+              </a:effectRef>
+              <a:fontRef idx="minor">
+                <a:schemeClr val="lt1"/>
+              </a:fontRef>
+            </p:style>
+            <p:txBody>
+              <a:bodyPr rtlCol="0" anchor="ctr"/>
+              <a:lstStyle/>
+              <a:p>
+                <a:pPr algn="ctr"/>
+                <a:r>
+                  <a:rPr lang="ko-KR" altLang="en-US" sz="1600" dirty="0">
+                    <a:latin typeface="KoPubWorld돋움체 Bold" panose="00000800000000000000" pitchFamily="2" charset="-127"/>
+                    <a:ea typeface="KoPubWorld돋움체 Bold" panose="00000800000000000000" pitchFamily="2" charset="-127"/>
+                    <a:cs typeface="KoPubWorld돋움체 Bold" panose="00000800000000000000" pitchFamily="2" charset="-127"/>
+                  </a:rPr>
+                  <a:t>개인 페이지</a:t>
+                </a:r>
+              </a:p>
+            </p:txBody>
+          </p:sp>
+        </p:grpSp>
+        <p:sp>
+          <p:nvSpPr>
+            <p:cNvPr id="11" name="TextBox 10">
+              <a:extLst>
+                <a:ext uri="{FF2B5EF4-FFF2-40B4-BE49-F238E27FC236}">
+                  <a16:creationId xmlns:a16="http://schemas.microsoft.com/office/drawing/2014/main" id="{AAF08748-7F99-BA04-9CBF-518ED725911D}"/>
+                </a:ext>
+              </a:extLst>
+            </p:cNvPr>
+            <p:cNvSpPr txBox="1"/>
+            <p:nvPr/>
+          </p:nvSpPr>
+          <p:spPr>
+            <a:xfrm>
+              <a:off x="1746314" y="5038807"/>
+              <a:ext cx="184731" cy="307777"/>
+            </a:xfrm>
+            <a:prstGeom prst="rect">
+              <a:avLst/>
+            </a:prstGeom>
+            <a:noFill/>
+          </p:spPr>
+          <p:txBody>
+            <a:bodyPr wrap="none" rtlCol="0">
+              <a:spAutoFit/>
+            </a:bodyPr>
+            <a:lstStyle/>
+            <a:p>
+              <a:endParaRPr lang="ko-KR" altLang="en-US" sz="1400" dirty="0">
+                <a:latin typeface="KoPubWorld돋움체 Bold" panose="00000800000000000000" pitchFamily="2" charset="-127"/>
+                <a:ea typeface="KoPubWorld돋움체 Bold" panose="00000800000000000000" pitchFamily="2" charset="-127"/>
+                <a:cs typeface="KoPubWorld돋움체 Bold" panose="00000800000000000000" pitchFamily="2" charset="-127"/>
+              </a:endParaRPr>
+            </a:p>
+          </p:txBody>
+        </p:sp>
+      </p:grpSp>
+      <p:sp>
+        <p:nvSpPr>
+          <p:cNvPr id="24" name="직사각형 23">
+            <a:extLst>
+              <a:ext uri="{FF2B5EF4-FFF2-40B4-BE49-F238E27FC236}">
+                <a16:creationId xmlns:a16="http://schemas.microsoft.com/office/drawing/2014/main" id="{166A3685-D95D-6971-EC2B-87539E5631A6}"/>
+              </a:ext>
+            </a:extLst>
+          </p:cNvPr>
+          <p:cNvSpPr/>
+          <p:nvPr/>
+        </p:nvSpPr>
+        <p:spPr>
+          <a:xfrm>
+            <a:off x="6232124" y="2650407"/>
+            <a:ext cx="4449413" cy="2773849"/>
+          </a:xfrm>
+          <a:prstGeom prst="rect">
+            <a:avLst/>
+          </a:prstGeom>
+          <a:noFill/>
+          <a:ln>
+            <a:noFill/>
+          </a:ln>
+        </p:spPr>
+        <p:style>
+          <a:lnRef idx="0">
+            <a:scrgbClr r="0" g="0" b="0"/>
+          </a:lnRef>
+          <a:fillRef idx="0">
+            <a:scrgbClr r="0" g="0" b="0"/>
+          </a:fillRef>
+          <a:effectRef idx="0">
+            <a:scrgbClr r="0" g="0" b="0"/>
+          </a:effectRef>
+          <a:fontRef idx="minor">
+            <a:schemeClr val="dk1"/>
+          </a:fontRef>
+        </p:style>
+        <p:txBody>
+          <a:bodyPr rtlCol="0" anchor="ctr">
+            <a:scene3d>
+              <a:camera prst="orthographicFront"/>
+              <a:lightRig rig="soft" dir="t">
+                <a:rot lat="0" lon="0" rev="15600000"/>
+              </a:lightRig>
+            </a:scene3d>
+            <a:sp3d extrusionH="57150" prstMaterial="softEdge">
+              <a:bevelT w="25400" h="38100"/>
+            </a:sp3d>
+          </a:bodyPr>
+          <a:lstStyle/>
+          <a:p>
+            <a:pPr algn="ctr"/>
+            <a:endParaRPr lang="ko-KR" altLang="en-US" b="1">
+              <a:ln>
+                <a:solidFill>
+                  <a:srgbClr val="FF0000"/>
+                </a:solidFill>
+              </a:ln>
+              <a:solidFill>
+                <a:schemeClr val="accent4"/>
+              </a:solidFill>
+            </a:endParaRPr>
+          </a:p>
+        </p:txBody>
+      </p:sp>
+      <p:sp>
+        <p:nvSpPr>
+          <p:cNvPr id="7" name="TextBox 6">
+            <a:extLst>
+              <a:ext uri="{FF2B5EF4-FFF2-40B4-BE49-F238E27FC236}">
+                <a16:creationId xmlns:a16="http://schemas.microsoft.com/office/drawing/2014/main" id="{4080FBEF-7DB9-775B-63E9-742F2C9EA844}"/>
+              </a:ext>
+            </a:extLst>
+          </p:cNvPr>
+          <p:cNvSpPr txBox="1"/>
+          <p:nvPr/>
+        </p:nvSpPr>
+        <p:spPr>
+          <a:xfrm>
+            <a:off x="1057655" y="3059668"/>
+            <a:ext cx="266420" cy="369332"/>
+          </a:xfrm>
+          <a:prstGeom prst="rect">
+            <a:avLst/>
+          </a:prstGeom>
+          <a:noFill/>
+        </p:spPr>
+        <p:txBody>
+          <a:bodyPr wrap="none" rtlCol="0">
+            <a:spAutoFit/>
+          </a:bodyPr>
+          <a:lstStyle/>
+          <a:p>
+            <a:r>
+              <a:rPr lang="ko-KR" altLang="en-US" dirty="0"/>
+              <a:t> </a:t>
+            </a:r>
+          </a:p>
+        </p:txBody>
+      </p:sp>
+      <p:sp>
+        <p:nvSpPr>
+          <p:cNvPr id="14" name="TextBox 13">
+            <a:extLst>
+              <a:ext uri="{FF2B5EF4-FFF2-40B4-BE49-F238E27FC236}">
+                <a16:creationId xmlns:a16="http://schemas.microsoft.com/office/drawing/2014/main" id="{02F7D0F0-FBC4-DF3B-1373-26E845F81EAB}"/>
+              </a:ext>
+            </a:extLst>
+          </p:cNvPr>
+          <p:cNvSpPr txBox="1"/>
+          <p:nvPr/>
+        </p:nvSpPr>
+        <p:spPr>
+          <a:xfrm>
+            <a:off x="781235" y="2823099"/>
+            <a:ext cx="3817398" cy="1200329"/>
+          </a:xfrm>
+          <a:prstGeom prst="rect">
+            <a:avLst/>
+          </a:prstGeom>
+          <a:noFill/>
+        </p:spPr>
+        <p:txBody>
+          <a:bodyPr wrap="square" rtlCol="0">
+            <a:spAutoFit/>
+          </a:bodyPr>
+          <a:lstStyle/>
+          <a:p>
+            <a:r>
+              <a:rPr lang="ko-KR" altLang="en-US" dirty="0"/>
+              <a:t>이 페이지는 얼마나 많은 이미지 업로드 양을 시각화 시켜서 보여주는 기능 분만 아니라 비밀번호 변경 기능이 적용되는 페이지 입니다</a:t>
+            </a:r>
+            <a:r>
+              <a:rPr lang="en-US" altLang="ko-KR" dirty="0"/>
+              <a:t>.</a:t>
+            </a:r>
+            <a:endParaRPr lang="ko-KR" altLang="en-US" dirty="0"/>
+          </a:p>
+        </p:txBody>
+      </p:sp>
+      <p:pic>
+        <p:nvPicPr>
+          <p:cNvPr id="9" name="그림 8">
+            <a:extLst>
+              <a:ext uri="{FF2B5EF4-FFF2-40B4-BE49-F238E27FC236}">
+                <a16:creationId xmlns:a16="http://schemas.microsoft.com/office/drawing/2014/main" id="{9C4D74BB-777C-CE29-4895-C4BFC683BC46}"/>
+              </a:ext>
+            </a:extLst>
+          </p:cNvPr>
+          <p:cNvPicPr>
+            <a:picLocks noChangeAspect="1"/>
+          </p:cNvPicPr>
+          <p:nvPr/>
+        </p:nvPicPr>
+        <p:blipFill>
+          <a:blip r:embed="rId2"/>
+          <a:stretch>
+            <a:fillRect/>
+          </a:stretch>
+        </p:blipFill>
+        <p:spPr>
+          <a:xfrm>
+            <a:off x="9336490" y="3938199"/>
+            <a:ext cx="2690093" cy="2111570"/>
+          </a:xfrm>
+          <a:prstGeom prst="rect">
+            <a:avLst/>
+          </a:prstGeom>
+        </p:spPr>
+      </p:pic>
+      <p:sp>
+        <p:nvSpPr>
+          <p:cNvPr id="17" name="직사각형 16">
+            <a:extLst>
+              <a:ext uri="{FF2B5EF4-FFF2-40B4-BE49-F238E27FC236}">
+                <a16:creationId xmlns:a16="http://schemas.microsoft.com/office/drawing/2014/main" id="{99F24084-083E-EF6C-579E-DBE84CD4EC49}"/>
+              </a:ext>
+            </a:extLst>
+          </p:cNvPr>
+          <p:cNvSpPr/>
+          <p:nvPr/>
+        </p:nvSpPr>
+        <p:spPr>
+          <a:xfrm>
+            <a:off x="6232124" y="2650407"/>
+            <a:ext cx="4449413" cy="2773849"/>
+          </a:xfrm>
+          <a:prstGeom prst="rect">
+            <a:avLst/>
+          </a:prstGeom>
+          <a:noFill/>
+          <a:ln>
+            <a:noFill/>
+          </a:ln>
+        </p:spPr>
+        <p:style>
+          <a:lnRef idx="0">
+            <a:scrgbClr r="0" g="0" b="0"/>
+          </a:lnRef>
+          <a:fillRef idx="0">
+            <a:scrgbClr r="0" g="0" b="0"/>
+          </a:fillRef>
+          <a:effectRef idx="0">
+            <a:scrgbClr r="0" g="0" b="0"/>
+          </a:effectRef>
+          <a:fontRef idx="minor">
+            <a:schemeClr val="dk1"/>
+          </a:fontRef>
+        </p:style>
+        <p:txBody>
+          <a:bodyPr rtlCol="0" anchor="ctr">
+            <a:scene3d>
+              <a:camera prst="orthographicFront"/>
+              <a:lightRig rig="soft" dir="t">
+                <a:rot lat="0" lon="0" rev="15600000"/>
+              </a:lightRig>
+            </a:scene3d>
+            <a:sp3d extrusionH="57150" prstMaterial="softEdge">
+              <a:bevelT w="25400" h="38100"/>
+            </a:sp3d>
+          </a:bodyPr>
+          <a:lstStyle/>
+          <a:p>
+            <a:pPr algn="ctr"/>
+            <a:endParaRPr lang="ko-KR" altLang="en-US" b="1">
+              <a:ln>
+                <a:solidFill>
+                  <a:srgbClr val="FF0000"/>
+                </a:solidFill>
+              </a:ln>
+              <a:solidFill>
+                <a:schemeClr val="accent4"/>
+              </a:solidFill>
+            </a:endParaRPr>
+          </a:p>
+        </p:txBody>
+      </p:sp>
+      <p:pic>
+        <p:nvPicPr>
+          <p:cNvPr id="18" name="그림 17">
+            <a:extLst>
+              <a:ext uri="{FF2B5EF4-FFF2-40B4-BE49-F238E27FC236}">
+                <a16:creationId xmlns:a16="http://schemas.microsoft.com/office/drawing/2014/main" id="{5C974F5F-4C88-B7A1-3271-BE603E03CE4A}"/>
+              </a:ext>
+            </a:extLst>
+          </p:cNvPr>
+          <p:cNvPicPr>
+            <a:picLocks noChangeAspect="1"/>
+          </p:cNvPicPr>
+          <p:nvPr/>
+        </p:nvPicPr>
+        <p:blipFill>
+          <a:blip r:embed="rId2"/>
+          <a:stretch>
+            <a:fillRect/>
+          </a:stretch>
+        </p:blipFill>
+        <p:spPr>
+          <a:xfrm>
+            <a:off x="7233241" y="2490337"/>
+            <a:ext cx="2690093" cy="2111570"/>
+          </a:xfrm>
+          <a:prstGeom prst="rect">
+            <a:avLst/>
+          </a:prstGeom>
+        </p:spPr>
+      </p:pic>
+      <p:pic>
+        <p:nvPicPr>
+          <p:cNvPr id="19" name="그림 18">
+            <a:extLst>
+              <a:ext uri="{FF2B5EF4-FFF2-40B4-BE49-F238E27FC236}">
+                <a16:creationId xmlns:a16="http://schemas.microsoft.com/office/drawing/2014/main" id="{8B6F2C62-DB1A-AA56-4D6A-5BA51F8FFFE9}"/>
+              </a:ext>
+            </a:extLst>
+          </p:cNvPr>
+          <p:cNvPicPr>
+            <a:picLocks noChangeAspect="1"/>
+          </p:cNvPicPr>
+          <p:nvPr/>
+        </p:nvPicPr>
+        <p:blipFill>
+          <a:blip r:embed="rId3"/>
+          <a:stretch>
+            <a:fillRect/>
+          </a:stretch>
+        </p:blipFill>
+        <p:spPr>
+          <a:xfrm>
+            <a:off x="5129704" y="242548"/>
+            <a:ext cx="3573061" cy="3180356"/>
+          </a:xfrm>
+          <a:prstGeom prst="rect">
+            <a:avLst/>
+          </a:prstGeom>
+        </p:spPr>
+      </p:pic>
+      <p:pic>
+        <p:nvPicPr>
+          <p:cNvPr id="20" name="그림 19">
+            <a:extLst>
+              <a:ext uri="{FF2B5EF4-FFF2-40B4-BE49-F238E27FC236}">
+                <a16:creationId xmlns:a16="http://schemas.microsoft.com/office/drawing/2014/main" id="{F4FFBD87-1FF5-A6FB-44EE-88F4A55CFD0B}"/>
+              </a:ext>
+            </a:extLst>
+          </p:cNvPr>
+          <p:cNvPicPr>
+            <a:picLocks noChangeAspect="1"/>
+          </p:cNvPicPr>
+          <p:nvPr/>
+        </p:nvPicPr>
+        <p:blipFill>
+          <a:blip r:embed="rId4"/>
+          <a:stretch>
+            <a:fillRect/>
+          </a:stretch>
+        </p:blipFill>
+        <p:spPr>
+          <a:xfrm>
+            <a:off x="8920752" y="242548"/>
+            <a:ext cx="2987997" cy="3093988"/>
+          </a:xfrm>
+          <a:prstGeom prst="rect">
+            <a:avLst/>
+          </a:prstGeom>
+        </p:spPr>
+      </p:pic>
+      <p:pic>
+        <p:nvPicPr>
+          <p:cNvPr id="22" name="그림 21">
+            <a:extLst>
+              <a:ext uri="{FF2B5EF4-FFF2-40B4-BE49-F238E27FC236}">
+                <a16:creationId xmlns:a16="http://schemas.microsoft.com/office/drawing/2014/main" id="{4141CC43-6B57-F5ED-BE03-C3609FE524E1}"/>
+              </a:ext>
+            </a:extLst>
+          </p:cNvPr>
+          <p:cNvPicPr>
+            <a:picLocks noChangeAspect="1"/>
+          </p:cNvPicPr>
+          <p:nvPr/>
+        </p:nvPicPr>
+        <p:blipFill>
+          <a:blip r:embed="rId5"/>
+          <a:stretch>
+            <a:fillRect/>
+          </a:stretch>
+        </p:blipFill>
+        <p:spPr>
+          <a:xfrm>
+            <a:off x="5103266" y="2987247"/>
+            <a:ext cx="6950042" cy="2682472"/>
+          </a:xfrm>
+          <a:prstGeom prst="rect">
+            <a:avLst/>
+          </a:prstGeom>
+        </p:spPr>
+      </p:pic>
+    </p:spTree>
+    <p:extLst>
+      <p:ext uri="{BB962C8B-B14F-4D97-AF65-F5344CB8AC3E}">
+        <p14:creationId xmlns:p14="http://schemas.microsoft.com/office/powerpoint/2010/main" val="4191479536"/>
+      </p:ext>
+    </p:extLst>
+  </p:cSld>
+  <p:clrMapOvr>
+    <a:masterClrMapping/>
+  </p:clrMapOvr>
+</p:sld>
+</file>
+
+<file path=ppt/slides/slide17.xml><?xml version="1.0" encoding="utf-8"?>
+<p:sld xmlns:a="http://schemas.openxmlformats.org/drawingml/2006/main" xmlns:r="http://schemas.openxmlformats.org/officeDocument/2006/relationships" xmlns:p="http://schemas.openxmlformats.org/presentationml/2006/main">
+  <p:cSld>
+    <p:spTree>
+      <p:nvGrpSpPr>
+        <p:cNvPr id="1" name=""/>
+        <p:cNvGrpSpPr/>
+        <p:nvPr/>
+      </p:nvGrpSpPr>
+      <p:grpSpPr>
+        <a:xfrm>
+          <a:off x="0" y="0"/>
+          <a:ext cx="0" cy="0"/>
+          <a:chOff x="0" y="0"/>
+          <a:chExt cx="0" cy="0"/>
+        </a:xfrm>
+      </p:grpSpPr>
+      <p:grpSp>
+        <p:nvGrpSpPr>
+          <p:cNvPr id="3" name="그룹 2">
+            <a:extLst>
+              <a:ext uri="{FF2B5EF4-FFF2-40B4-BE49-F238E27FC236}">
+                <a16:creationId xmlns:a16="http://schemas.microsoft.com/office/drawing/2014/main" id="{57498354-46B5-606D-9AF7-651087BE3F07}"/>
+              </a:ext>
+            </a:extLst>
+          </p:cNvPr>
+          <p:cNvGrpSpPr/>
+          <p:nvPr/>
+        </p:nvGrpSpPr>
+        <p:grpSpPr>
+          <a:xfrm>
+            <a:off x="702557" y="1942522"/>
+            <a:ext cx="4304449" cy="3635248"/>
+            <a:chOff x="1381121" y="1711336"/>
+            <a:chExt cx="4304449" cy="3635248"/>
+          </a:xfrm>
+        </p:grpSpPr>
+        <p:grpSp>
+          <p:nvGrpSpPr>
+            <p:cNvPr id="4" name="그룹 3">
+              <a:extLst>
+                <a:ext uri="{FF2B5EF4-FFF2-40B4-BE49-F238E27FC236}">
+                  <a16:creationId xmlns:a16="http://schemas.microsoft.com/office/drawing/2014/main" id="{6EEEF76E-EBF4-DFE5-5F24-5D34CF8EF9D0}"/>
+                </a:ext>
+              </a:extLst>
+            </p:cNvPr>
+            <p:cNvGrpSpPr/>
+            <p:nvPr/>
+          </p:nvGrpSpPr>
+          <p:grpSpPr>
+            <a:xfrm>
+              <a:off x="1381121" y="1711336"/>
+              <a:ext cx="4304449" cy="3327471"/>
+              <a:chOff x="638172" y="1254878"/>
+              <a:chExt cx="4304449" cy="3327471"/>
+            </a:xfrm>
+          </p:grpSpPr>
+          <p:sp>
+            <p:nvSpPr>
+              <p:cNvPr id="12" name="직사각형 11">
+                <a:extLst>
+                  <a:ext uri="{FF2B5EF4-FFF2-40B4-BE49-F238E27FC236}">
+                    <a16:creationId xmlns:a16="http://schemas.microsoft.com/office/drawing/2014/main" id="{CCECA7B9-2D86-DA91-58AA-84E353B3FCFF}"/>
+                  </a:ext>
+                </a:extLst>
+              </p:cNvPr>
+              <p:cNvSpPr/>
+              <p:nvPr/>
+            </p:nvSpPr>
+            <p:spPr>
+              <a:xfrm>
+                <a:off x="638174" y="1918761"/>
+                <a:ext cx="4304447" cy="2663588"/>
+              </a:xfrm>
+              <a:prstGeom prst="rect">
+                <a:avLst/>
+              </a:prstGeom>
+              <a:noFill/>
+              <a:ln>
+                <a:solidFill>
+                  <a:srgbClr val="404040"/>
+                </a:solidFill>
+              </a:ln>
+            </p:spPr>
+            <p:style>
+              <a:lnRef idx="2">
+                <a:schemeClr val="accent1">
+                  <a:shade val="50000"/>
+                </a:schemeClr>
+              </a:lnRef>
+              <a:fillRef idx="1">
+                <a:schemeClr val="accent1"/>
+              </a:fillRef>
+              <a:effectRef idx="0">
+                <a:schemeClr val="accent1"/>
+              </a:effectRef>
+              <a:fontRef idx="minor">
+                <a:schemeClr val="lt1"/>
+              </a:fontRef>
+            </p:style>
+            <p:txBody>
+              <a:bodyPr rtlCol="0" anchor="ctr"/>
+              <a:lstStyle/>
+              <a:p>
+                <a:endParaRPr lang="en-US" altLang="ko-KR" dirty="0">
+                  <a:solidFill>
+                    <a:schemeClr val="tx1"/>
+                  </a:solidFill>
+                </a:endParaRPr>
+              </a:p>
+            </p:txBody>
+          </p:sp>
+          <p:sp>
+            <p:nvSpPr>
+              <p:cNvPr id="13" name="직사각형 12">
+                <a:extLst>
+                  <a:ext uri="{FF2B5EF4-FFF2-40B4-BE49-F238E27FC236}">
+                    <a16:creationId xmlns:a16="http://schemas.microsoft.com/office/drawing/2014/main" id="{BCAEFD8C-993A-8E11-33DE-572D4270F54D}"/>
+                  </a:ext>
+                </a:extLst>
+              </p:cNvPr>
+              <p:cNvSpPr/>
+              <p:nvPr/>
+            </p:nvSpPr>
+            <p:spPr>
+              <a:xfrm>
+                <a:off x="638172" y="1254878"/>
+                <a:ext cx="2515852" cy="707885"/>
+              </a:xfrm>
+              <a:prstGeom prst="rect">
+                <a:avLst/>
+              </a:prstGeom>
+              <a:solidFill>
+                <a:srgbClr val="404040"/>
+              </a:solidFill>
+              <a:ln>
+                <a:noFill/>
+              </a:ln>
+            </p:spPr>
+            <p:style>
+              <a:lnRef idx="2">
+                <a:schemeClr val="accent1">
+                  <a:shade val="50000"/>
+                </a:schemeClr>
+              </a:lnRef>
+              <a:fillRef idx="1">
+                <a:schemeClr val="accent1"/>
+              </a:fillRef>
+              <a:effectRef idx="0">
+                <a:schemeClr val="accent1"/>
+              </a:effectRef>
+              <a:fontRef idx="minor">
+                <a:schemeClr val="lt1"/>
+              </a:fontRef>
+            </p:style>
+            <p:txBody>
+              <a:bodyPr rtlCol="0" anchor="ctr"/>
+              <a:lstStyle/>
+              <a:p>
+                <a:pPr algn="ctr"/>
+                <a:r>
+                  <a:rPr lang="ko-KR" altLang="en-US" sz="1600" dirty="0">
+                    <a:latin typeface="KoPubWorld돋움체 Bold" panose="00000800000000000000" pitchFamily="2" charset="-127"/>
+                    <a:ea typeface="KoPubWorld돋움체 Bold" panose="00000800000000000000" pitchFamily="2" charset="-127"/>
+                    <a:cs typeface="KoPubWorld돋움체 Bold" panose="00000800000000000000" pitchFamily="2" charset="-127"/>
+                  </a:rPr>
+                  <a:t>업로드 </a:t>
+                </a:r>
+                <a:r>
+                  <a:rPr lang="ko-KR" altLang="en-US" sz="1600" dirty="0" err="1">
+                    <a:latin typeface="KoPubWorld돋움체 Bold" panose="00000800000000000000" pitchFamily="2" charset="-127"/>
+                    <a:ea typeface="KoPubWorld돋움체 Bold" panose="00000800000000000000" pitchFamily="2" charset="-127"/>
+                    <a:cs typeface="KoPubWorld돋움체 Bold" panose="00000800000000000000" pitchFamily="2" charset="-127"/>
+                  </a:rPr>
+                  <a:t>프로그래스</a:t>
+                </a:r>
+                <a:r>
+                  <a:rPr lang="ko-KR" altLang="en-US" sz="1600" dirty="0">
+                    <a:latin typeface="KoPubWorld돋움체 Bold" panose="00000800000000000000" pitchFamily="2" charset="-127"/>
+                    <a:ea typeface="KoPubWorld돋움체 Bold" panose="00000800000000000000" pitchFamily="2" charset="-127"/>
+                    <a:cs typeface="KoPubWorld돋움체 Bold" panose="00000800000000000000" pitchFamily="2" charset="-127"/>
+                  </a:rPr>
+                  <a:t> 바</a:t>
+                </a:r>
+              </a:p>
+            </p:txBody>
+          </p:sp>
+        </p:grpSp>
+        <p:sp>
+          <p:nvSpPr>
+            <p:cNvPr id="11" name="TextBox 10">
+              <a:extLst>
+                <a:ext uri="{FF2B5EF4-FFF2-40B4-BE49-F238E27FC236}">
+                  <a16:creationId xmlns:a16="http://schemas.microsoft.com/office/drawing/2014/main" id="{AAF08748-7F99-BA04-9CBF-518ED725911D}"/>
+                </a:ext>
+              </a:extLst>
+            </p:cNvPr>
+            <p:cNvSpPr txBox="1"/>
+            <p:nvPr/>
+          </p:nvSpPr>
+          <p:spPr>
+            <a:xfrm>
+              <a:off x="1746314" y="5038807"/>
+              <a:ext cx="184731" cy="307777"/>
+            </a:xfrm>
+            <a:prstGeom prst="rect">
+              <a:avLst/>
+            </a:prstGeom>
+            <a:noFill/>
+          </p:spPr>
+          <p:txBody>
+            <a:bodyPr wrap="none" rtlCol="0">
+              <a:spAutoFit/>
+            </a:bodyPr>
+            <a:lstStyle/>
+            <a:p>
+              <a:endParaRPr lang="ko-KR" altLang="en-US" sz="1400" dirty="0">
+                <a:latin typeface="KoPubWorld돋움체 Bold" panose="00000800000000000000" pitchFamily="2" charset="-127"/>
+                <a:ea typeface="KoPubWorld돋움체 Bold" panose="00000800000000000000" pitchFamily="2" charset="-127"/>
+                <a:cs typeface="KoPubWorld돋움체 Bold" panose="00000800000000000000" pitchFamily="2" charset="-127"/>
+              </a:endParaRPr>
+            </a:p>
+          </p:txBody>
+        </p:sp>
+      </p:grpSp>
+      <p:sp>
+        <p:nvSpPr>
+          <p:cNvPr id="7" name="TextBox 6">
+            <a:extLst>
+              <a:ext uri="{FF2B5EF4-FFF2-40B4-BE49-F238E27FC236}">
+                <a16:creationId xmlns:a16="http://schemas.microsoft.com/office/drawing/2014/main" id="{4080FBEF-7DB9-775B-63E9-742F2C9EA844}"/>
+              </a:ext>
+            </a:extLst>
+          </p:cNvPr>
+          <p:cNvSpPr txBox="1"/>
+          <p:nvPr/>
+        </p:nvSpPr>
+        <p:spPr>
+          <a:xfrm>
+            <a:off x="1057655" y="3059668"/>
+            <a:ext cx="266420" cy="369332"/>
+          </a:xfrm>
+          <a:prstGeom prst="rect">
+            <a:avLst/>
+          </a:prstGeom>
+          <a:noFill/>
+        </p:spPr>
+        <p:txBody>
+          <a:bodyPr wrap="none" rtlCol="0">
+            <a:spAutoFit/>
+          </a:bodyPr>
+          <a:lstStyle/>
+          <a:p>
+            <a:r>
+              <a:rPr lang="ko-KR" altLang="en-US" dirty="0"/>
+              <a:t> </a:t>
+            </a:r>
+          </a:p>
+        </p:txBody>
+      </p:sp>
+      <p:sp>
+        <p:nvSpPr>
+          <p:cNvPr id="14" name="TextBox 13">
+            <a:extLst>
+              <a:ext uri="{FF2B5EF4-FFF2-40B4-BE49-F238E27FC236}">
+                <a16:creationId xmlns:a16="http://schemas.microsoft.com/office/drawing/2014/main" id="{02F7D0F0-FBC4-DF3B-1373-26E845F81EAB}"/>
+              </a:ext>
+            </a:extLst>
+          </p:cNvPr>
+          <p:cNvSpPr txBox="1"/>
+          <p:nvPr/>
+        </p:nvSpPr>
+        <p:spPr>
+          <a:xfrm>
+            <a:off x="781235" y="2823099"/>
+            <a:ext cx="3817398" cy="923330"/>
+          </a:xfrm>
+          <a:prstGeom prst="rect">
+            <a:avLst/>
+          </a:prstGeom>
+          <a:noFill/>
+        </p:spPr>
+        <p:txBody>
+          <a:bodyPr wrap="square" rtlCol="0">
+            <a:spAutoFit/>
+          </a:bodyPr>
+          <a:lstStyle/>
+          <a:p>
+            <a:r>
+              <a:rPr lang="ko-KR" altLang="en-US" dirty="0"/>
+              <a:t>이미지 업로드 </a:t>
+            </a:r>
+            <a:r>
+              <a:rPr lang="ko-KR" altLang="en-US" dirty="0" err="1"/>
+              <a:t>할때</a:t>
+            </a:r>
+            <a:r>
+              <a:rPr lang="ko-KR" altLang="en-US" dirty="0"/>
+              <a:t> </a:t>
+            </a:r>
+            <a:r>
+              <a:rPr lang="ko-KR" altLang="en-US" dirty="0" err="1"/>
+              <a:t>프로그래스</a:t>
+            </a:r>
+            <a:r>
+              <a:rPr lang="ko-KR" altLang="en-US" dirty="0"/>
+              <a:t> 바를 통하여 현재 진행 상태를 사용자에게 시각적으로 보이게 됩니다</a:t>
+            </a:r>
+            <a:r>
+              <a:rPr lang="en-US" altLang="ko-KR" dirty="0"/>
+              <a:t>.</a:t>
+            </a:r>
+            <a:endParaRPr lang="ko-KR" altLang="en-US" dirty="0"/>
+          </a:p>
+        </p:txBody>
+      </p:sp>
+      <p:pic>
+        <p:nvPicPr>
+          <p:cNvPr id="9" name="그림 8">
+            <a:extLst>
+              <a:ext uri="{FF2B5EF4-FFF2-40B4-BE49-F238E27FC236}">
+                <a16:creationId xmlns:a16="http://schemas.microsoft.com/office/drawing/2014/main" id="{9C4D74BB-777C-CE29-4895-C4BFC683BC46}"/>
+              </a:ext>
+            </a:extLst>
+          </p:cNvPr>
+          <p:cNvPicPr>
+            <a:picLocks noChangeAspect="1"/>
+          </p:cNvPicPr>
+          <p:nvPr/>
+        </p:nvPicPr>
+        <p:blipFill>
+          <a:blip r:embed="rId2"/>
+          <a:stretch>
+            <a:fillRect/>
+          </a:stretch>
+        </p:blipFill>
+        <p:spPr>
+          <a:xfrm>
+            <a:off x="9336490" y="3938199"/>
+            <a:ext cx="2690093" cy="2111570"/>
+          </a:xfrm>
+          <a:prstGeom prst="rect">
+            <a:avLst/>
+          </a:prstGeom>
+        </p:spPr>
+      </p:pic>
+      <p:pic>
+        <p:nvPicPr>
+          <p:cNvPr id="6" name="그림 5">
+            <a:extLst>
+              <a:ext uri="{FF2B5EF4-FFF2-40B4-BE49-F238E27FC236}">
+                <a16:creationId xmlns:a16="http://schemas.microsoft.com/office/drawing/2014/main" id="{C3B1B83D-5E25-7E1F-C290-5D0398619F4F}"/>
+              </a:ext>
+            </a:extLst>
+          </p:cNvPr>
+          <p:cNvPicPr>
+            <a:picLocks noChangeAspect="1"/>
+          </p:cNvPicPr>
+          <p:nvPr/>
+        </p:nvPicPr>
+        <p:blipFill>
+          <a:blip r:embed="rId3"/>
+          <a:stretch>
+            <a:fillRect/>
+          </a:stretch>
+        </p:blipFill>
+        <p:spPr>
+          <a:xfrm>
+            <a:off x="6087716" y="997271"/>
+            <a:ext cx="2552921" cy="5052498"/>
+          </a:xfrm>
+          <a:prstGeom prst="rect">
+            <a:avLst/>
+          </a:prstGeom>
+        </p:spPr>
+      </p:pic>
+    </p:spTree>
+    <p:extLst>
+      <p:ext uri="{BB962C8B-B14F-4D97-AF65-F5344CB8AC3E}">
+        <p14:creationId xmlns:p14="http://schemas.microsoft.com/office/powerpoint/2010/main" val="1701521060"/>
+      </p:ext>
+    </p:extLst>
+  </p:cSld>
+  <p:clrMapOvr>
+    <a:masterClrMapping/>
+  </p:clrMapOvr>
+</p:sld>
+</file>
+
+<file path=ppt/slides/slide18.xml><?xml version="1.0" encoding="utf-8"?>
 <p:sld xmlns:a="http://schemas.openxmlformats.org/drawingml/2006/main" xmlns:r="http://schemas.openxmlformats.org/officeDocument/2006/relationships" xmlns:p="http://schemas.openxmlformats.org/presentationml/2006/main">
   <p:cSld>
     <p:spTree>
@@ -7527,7 +9141,7 @@
         <p:spPr>
           <a:xfrm>
             <a:off x="6439527" y="2556180"/>
-            <a:ext cx="4387740" cy="1200329"/>
+            <a:ext cx="3853940" cy="1477328"/>
           </a:xfrm>
           <a:prstGeom prst="rect">
             <a:avLst/>
@@ -7580,8 +9194,28 @@
             </a:r>
             <a:r>
               <a:rPr lang="ko-KR" altLang="en-US" dirty="0"/>
-              <a:t>삭제 기능 구현</a:t>
-            </a:r>
+              <a:t>삭제</a:t>
+            </a:r>
+            <a:r>
+              <a:rPr lang="en-US" altLang="ko-KR" dirty="0"/>
+              <a:t>/</a:t>
+            </a:r>
+            <a:r>
+              <a:rPr lang="ko-KR" altLang="en-US" dirty="0"/>
+              <a:t>수정</a:t>
+            </a:r>
+            <a:endParaRPr lang="en-US" altLang="ko-KR" dirty="0"/>
+          </a:p>
+          <a:p>
+            <a:r>
+              <a:rPr lang="ko-KR" altLang="en-US" dirty="0"/>
+              <a:t> 기능 </a:t>
+            </a:r>
+            <a:r>
+              <a:rPr lang="ko-KR" altLang="en-US"/>
+              <a:t>구현 </a:t>
+            </a:r>
+            <a:endParaRPr lang="ko-KR" altLang="en-US" dirty="0"/>
           </a:p>
           <a:p>
             <a:endParaRPr lang="ko-KR" altLang="en-US" dirty="0"/>
